--- a/Презентация_Week_Science.pptx
+++ b/Презентация_Week_Science.pptx
@@ -220,7 +220,7 @@
           <a:p>
             <a:fld id="{EAAEC894-11E2-44CC-80F2-12DD60712941}" type="datetimeFigureOut">
               <a:rPr lang="ru-RU" smtClean="0"/>
-              <a:t>10.04.2017</a:t>
+              <a:t>11.06.2017</a:t>
             </a:fld>
             <a:endParaRPr lang="ru-RU"/>
           </a:p>
@@ -284,38 +284,37 @@
           <a:p>
             <a:pPr lvl="0"/>
             <a:r>
-              <a:rPr lang="ru-RU" smtClean="0"/>
+              <a:rPr lang="ru-RU"/>
               <a:t>Образец текста</a:t>
             </a:r>
           </a:p>
           <a:p>
             <a:pPr lvl="1"/>
             <a:r>
-              <a:rPr lang="ru-RU" smtClean="0"/>
+              <a:rPr lang="ru-RU"/>
               <a:t>Второй уровень</a:t>
             </a:r>
           </a:p>
           <a:p>
             <a:pPr lvl="2"/>
             <a:r>
-              <a:rPr lang="ru-RU" smtClean="0"/>
+              <a:rPr lang="ru-RU"/>
               <a:t>Третий уровень</a:t>
             </a:r>
           </a:p>
           <a:p>
             <a:pPr lvl="3"/>
             <a:r>
-              <a:rPr lang="ru-RU" smtClean="0"/>
+              <a:rPr lang="ru-RU"/>
               <a:t>Четвертый уровень</a:t>
             </a:r>
           </a:p>
           <a:p>
             <a:pPr lvl="4"/>
             <a:r>
-              <a:rPr lang="ru-RU" smtClean="0"/>
+              <a:rPr lang="ru-RU"/>
               <a:t>Пятый уровень</a:t>
             </a:r>
-            <a:endParaRPr lang="ru-RU"/>
           </a:p>
         </p:txBody>
       </p:sp>
@@ -782,10 +781,9 @@
           </a:lstStyle>
           <a:p>
             <a:r>
-              <a:rPr lang="ru-RU" smtClean="0"/>
+              <a:rPr lang="ru-RU"/>
               <a:t>Образец заголовка</a:t>
             </a:r>
-            <a:endParaRPr lang="ru-RU"/>
           </a:p>
         </p:txBody>
       </p:sp>
@@ -847,10 +845,9 @@
           </a:lstStyle>
           <a:p>
             <a:r>
-              <a:rPr lang="ru-RU" smtClean="0"/>
+              <a:rPr lang="ru-RU"/>
               <a:t>Образец подзаголовка</a:t>
             </a:r>
-            <a:endParaRPr lang="ru-RU"/>
           </a:p>
         </p:txBody>
       </p:sp>
@@ -871,7 +868,7 @@
           <a:p>
             <a:fld id="{A03A6AE9-7AAC-4594-AEAC-3D0CB8825301}" type="datetimeFigureOut">
               <a:rPr lang="ru-RU" smtClean="0"/>
-              <a:t>10.04.2017</a:t>
+              <a:t>11.06.2017</a:t>
             </a:fld>
             <a:endParaRPr lang="ru-RU"/>
           </a:p>
@@ -965,10 +962,9 @@
           <a:lstStyle/>
           <a:p>
             <a:r>
-              <a:rPr lang="ru-RU" smtClean="0"/>
+              <a:rPr lang="ru-RU"/>
               <a:t>Образец заголовка</a:t>
             </a:r>
-            <a:endParaRPr lang="ru-RU"/>
           </a:p>
         </p:txBody>
       </p:sp>
@@ -989,38 +985,37 @@
           <a:p>
             <a:pPr lvl="0"/>
             <a:r>
-              <a:rPr lang="ru-RU" smtClean="0"/>
+              <a:rPr lang="ru-RU"/>
               <a:t>Образец текста</a:t>
             </a:r>
           </a:p>
           <a:p>
             <a:pPr lvl="1"/>
             <a:r>
-              <a:rPr lang="ru-RU" smtClean="0"/>
+              <a:rPr lang="ru-RU"/>
               <a:t>Второй уровень</a:t>
             </a:r>
           </a:p>
           <a:p>
             <a:pPr lvl="2"/>
             <a:r>
-              <a:rPr lang="ru-RU" smtClean="0"/>
+              <a:rPr lang="ru-RU"/>
               <a:t>Третий уровень</a:t>
             </a:r>
           </a:p>
           <a:p>
             <a:pPr lvl="3"/>
             <a:r>
-              <a:rPr lang="ru-RU" smtClean="0"/>
+              <a:rPr lang="ru-RU"/>
               <a:t>Четвертый уровень</a:t>
             </a:r>
           </a:p>
           <a:p>
             <a:pPr lvl="4"/>
             <a:r>
-              <a:rPr lang="ru-RU" smtClean="0"/>
+              <a:rPr lang="ru-RU"/>
               <a:t>Пятый уровень</a:t>
             </a:r>
-            <a:endParaRPr lang="ru-RU"/>
           </a:p>
         </p:txBody>
       </p:sp>
@@ -1041,7 +1036,7 @@
           <a:p>
             <a:fld id="{A03A6AE9-7AAC-4594-AEAC-3D0CB8825301}" type="datetimeFigureOut">
               <a:rPr lang="ru-RU" smtClean="0"/>
-              <a:t>10.04.2017</a:t>
+              <a:t>11.06.2017</a:t>
             </a:fld>
             <a:endParaRPr lang="ru-RU"/>
           </a:p>
@@ -1140,10 +1135,9 @@
           <a:lstStyle/>
           <a:p>
             <a:r>
-              <a:rPr lang="ru-RU" smtClean="0"/>
+              <a:rPr lang="ru-RU"/>
               <a:t>Образец заголовка</a:t>
             </a:r>
-            <a:endParaRPr lang="ru-RU"/>
           </a:p>
         </p:txBody>
       </p:sp>
@@ -1169,38 +1163,37 @@
           <a:p>
             <a:pPr lvl="0"/>
             <a:r>
-              <a:rPr lang="ru-RU" smtClean="0"/>
+              <a:rPr lang="ru-RU"/>
               <a:t>Образец текста</a:t>
             </a:r>
           </a:p>
           <a:p>
             <a:pPr lvl="1"/>
             <a:r>
-              <a:rPr lang="ru-RU" smtClean="0"/>
+              <a:rPr lang="ru-RU"/>
               <a:t>Второй уровень</a:t>
             </a:r>
           </a:p>
           <a:p>
             <a:pPr lvl="2"/>
             <a:r>
-              <a:rPr lang="ru-RU" smtClean="0"/>
+              <a:rPr lang="ru-RU"/>
               <a:t>Третий уровень</a:t>
             </a:r>
           </a:p>
           <a:p>
             <a:pPr lvl="3"/>
             <a:r>
-              <a:rPr lang="ru-RU" smtClean="0"/>
+              <a:rPr lang="ru-RU"/>
               <a:t>Четвертый уровень</a:t>
             </a:r>
           </a:p>
           <a:p>
             <a:pPr lvl="4"/>
             <a:r>
-              <a:rPr lang="ru-RU" smtClean="0"/>
+              <a:rPr lang="ru-RU"/>
               <a:t>Пятый уровень</a:t>
             </a:r>
-            <a:endParaRPr lang="ru-RU"/>
           </a:p>
         </p:txBody>
       </p:sp>
@@ -1221,7 +1214,7 @@
           <a:p>
             <a:fld id="{A03A6AE9-7AAC-4594-AEAC-3D0CB8825301}" type="datetimeFigureOut">
               <a:rPr lang="ru-RU" smtClean="0"/>
-              <a:t>10.04.2017</a:t>
+              <a:t>11.06.2017</a:t>
             </a:fld>
             <a:endParaRPr lang="ru-RU"/>
           </a:p>
@@ -1315,10 +1308,9 @@
           <a:lstStyle/>
           <a:p>
             <a:r>
-              <a:rPr lang="ru-RU" smtClean="0"/>
+              <a:rPr lang="ru-RU"/>
               <a:t>Образец заголовка</a:t>
             </a:r>
-            <a:endParaRPr lang="ru-RU"/>
           </a:p>
         </p:txBody>
       </p:sp>
@@ -1339,38 +1331,37 @@
           <a:p>
             <a:pPr lvl="0"/>
             <a:r>
-              <a:rPr lang="ru-RU" smtClean="0"/>
+              <a:rPr lang="ru-RU"/>
               <a:t>Образец текста</a:t>
             </a:r>
           </a:p>
           <a:p>
             <a:pPr lvl="1"/>
             <a:r>
-              <a:rPr lang="ru-RU" smtClean="0"/>
+              <a:rPr lang="ru-RU"/>
               <a:t>Второй уровень</a:t>
             </a:r>
           </a:p>
           <a:p>
             <a:pPr lvl="2"/>
             <a:r>
-              <a:rPr lang="ru-RU" smtClean="0"/>
+              <a:rPr lang="ru-RU"/>
               <a:t>Третий уровень</a:t>
             </a:r>
           </a:p>
           <a:p>
             <a:pPr lvl="3"/>
             <a:r>
-              <a:rPr lang="ru-RU" smtClean="0"/>
+              <a:rPr lang="ru-RU"/>
               <a:t>Четвертый уровень</a:t>
             </a:r>
           </a:p>
           <a:p>
             <a:pPr lvl="4"/>
             <a:r>
-              <a:rPr lang="ru-RU" smtClean="0"/>
+              <a:rPr lang="ru-RU"/>
               <a:t>Пятый уровень</a:t>
             </a:r>
-            <a:endParaRPr lang="ru-RU"/>
           </a:p>
         </p:txBody>
       </p:sp>
@@ -1391,7 +1382,7 @@
           <a:p>
             <a:fld id="{A03A6AE9-7AAC-4594-AEAC-3D0CB8825301}" type="datetimeFigureOut">
               <a:rPr lang="ru-RU" smtClean="0"/>
-              <a:t>10.04.2017</a:t>
+              <a:t>11.06.2017</a:t>
             </a:fld>
             <a:endParaRPr lang="ru-RU"/>
           </a:p>
@@ -1494,10 +1485,9 @@
           </a:lstStyle>
           <a:p>
             <a:r>
-              <a:rPr lang="ru-RU" smtClean="0"/>
+              <a:rPr lang="ru-RU"/>
               <a:t>Образец заголовка</a:t>
             </a:r>
-            <a:endParaRPr lang="ru-RU"/>
           </a:p>
         </p:txBody>
       </p:sp>
@@ -1614,7 +1604,7 @@
           <a:p>
             <a:pPr lvl="0"/>
             <a:r>
-              <a:rPr lang="ru-RU" smtClean="0"/>
+              <a:rPr lang="ru-RU"/>
               <a:t>Образец текста</a:t>
             </a:r>
           </a:p>
@@ -1637,7 +1627,7 @@
           <a:p>
             <a:fld id="{A03A6AE9-7AAC-4594-AEAC-3D0CB8825301}" type="datetimeFigureOut">
               <a:rPr lang="ru-RU" smtClean="0"/>
-              <a:t>10.04.2017</a:t>
+              <a:t>11.06.2017</a:t>
             </a:fld>
             <a:endParaRPr lang="ru-RU"/>
           </a:p>
@@ -1731,10 +1721,9 @@
           <a:lstStyle/>
           <a:p>
             <a:r>
-              <a:rPr lang="ru-RU" smtClean="0"/>
+              <a:rPr lang="ru-RU"/>
               <a:t>Образец заголовка</a:t>
             </a:r>
-            <a:endParaRPr lang="ru-RU"/>
           </a:p>
         </p:txBody>
       </p:sp>
@@ -1760,38 +1749,37 @@
           <a:p>
             <a:pPr lvl="0"/>
             <a:r>
-              <a:rPr lang="ru-RU" smtClean="0"/>
+              <a:rPr lang="ru-RU"/>
               <a:t>Образец текста</a:t>
             </a:r>
           </a:p>
           <a:p>
             <a:pPr lvl="1"/>
             <a:r>
-              <a:rPr lang="ru-RU" smtClean="0"/>
+              <a:rPr lang="ru-RU"/>
               <a:t>Второй уровень</a:t>
             </a:r>
           </a:p>
           <a:p>
             <a:pPr lvl="2"/>
             <a:r>
-              <a:rPr lang="ru-RU" smtClean="0"/>
+              <a:rPr lang="ru-RU"/>
               <a:t>Третий уровень</a:t>
             </a:r>
           </a:p>
           <a:p>
             <a:pPr lvl="3"/>
             <a:r>
-              <a:rPr lang="ru-RU" smtClean="0"/>
+              <a:rPr lang="ru-RU"/>
               <a:t>Четвертый уровень</a:t>
             </a:r>
           </a:p>
           <a:p>
             <a:pPr lvl="4"/>
             <a:r>
-              <a:rPr lang="ru-RU" smtClean="0"/>
+              <a:rPr lang="ru-RU"/>
               <a:t>Пятый уровень</a:t>
             </a:r>
-            <a:endParaRPr lang="ru-RU"/>
           </a:p>
         </p:txBody>
       </p:sp>
@@ -1817,38 +1805,37 @@
           <a:p>
             <a:pPr lvl="0"/>
             <a:r>
-              <a:rPr lang="ru-RU" smtClean="0"/>
+              <a:rPr lang="ru-RU"/>
               <a:t>Образец текста</a:t>
             </a:r>
           </a:p>
           <a:p>
             <a:pPr lvl="1"/>
             <a:r>
-              <a:rPr lang="ru-RU" smtClean="0"/>
+              <a:rPr lang="ru-RU"/>
               <a:t>Второй уровень</a:t>
             </a:r>
           </a:p>
           <a:p>
             <a:pPr lvl="2"/>
             <a:r>
-              <a:rPr lang="ru-RU" smtClean="0"/>
+              <a:rPr lang="ru-RU"/>
               <a:t>Третий уровень</a:t>
             </a:r>
           </a:p>
           <a:p>
             <a:pPr lvl="3"/>
             <a:r>
-              <a:rPr lang="ru-RU" smtClean="0"/>
+              <a:rPr lang="ru-RU"/>
               <a:t>Четвертый уровень</a:t>
             </a:r>
           </a:p>
           <a:p>
             <a:pPr lvl="4"/>
             <a:r>
-              <a:rPr lang="ru-RU" smtClean="0"/>
+              <a:rPr lang="ru-RU"/>
               <a:t>Пятый уровень</a:t>
             </a:r>
-            <a:endParaRPr lang="ru-RU"/>
           </a:p>
         </p:txBody>
       </p:sp>
@@ -1869,7 +1856,7 @@
           <a:p>
             <a:fld id="{A03A6AE9-7AAC-4594-AEAC-3D0CB8825301}" type="datetimeFigureOut">
               <a:rPr lang="ru-RU" smtClean="0"/>
-              <a:t>10.04.2017</a:t>
+              <a:t>11.06.2017</a:t>
             </a:fld>
             <a:endParaRPr lang="ru-RU"/>
           </a:p>
@@ -1968,10 +1955,9 @@
           <a:lstStyle/>
           <a:p>
             <a:r>
-              <a:rPr lang="ru-RU" smtClean="0"/>
+              <a:rPr lang="ru-RU"/>
               <a:t>Образец заголовка</a:t>
             </a:r>
-            <a:endParaRPr lang="ru-RU"/>
           </a:p>
         </p:txBody>
       </p:sp>
@@ -2034,7 +2020,7 @@
           <a:p>
             <a:pPr lvl="0"/>
             <a:r>
-              <a:rPr lang="ru-RU" smtClean="0"/>
+              <a:rPr lang="ru-RU"/>
               <a:t>Образец текста</a:t>
             </a:r>
           </a:p>
@@ -2062,38 +2048,37 @@
           <a:p>
             <a:pPr lvl="0"/>
             <a:r>
-              <a:rPr lang="ru-RU" smtClean="0"/>
+              <a:rPr lang="ru-RU"/>
               <a:t>Образец текста</a:t>
             </a:r>
           </a:p>
           <a:p>
             <a:pPr lvl="1"/>
             <a:r>
-              <a:rPr lang="ru-RU" smtClean="0"/>
+              <a:rPr lang="ru-RU"/>
               <a:t>Второй уровень</a:t>
             </a:r>
           </a:p>
           <a:p>
             <a:pPr lvl="2"/>
             <a:r>
-              <a:rPr lang="ru-RU" smtClean="0"/>
+              <a:rPr lang="ru-RU"/>
               <a:t>Третий уровень</a:t>
             </a:r>
           </a:p>
           <a:p>
             <a:pPr lvl="3"/>
             <a:r>
-              <a:rPr lang="ru-RU" smtClean="0"/>
+              <a:rPr lang="ru-RU"/>
               <a:t>Четвертый уровень</a:t>
             </a:r>
           </a:p>
           <a:p>
             <a:pPr lvl="4"/>
             <a:r>
-              <a:rPr lang="ru-RU" smtClean="0"/>
+              <a:rPr lang="ru-RU"/>
               <a:t>Пятый уровень</a:t>
             </a:r>
-            <a:endParaRPr lang="ru-RU"/>
           </a:p>
         </p:txBody>
       </p:sp>
@@ -2156,7 +2141,7 @@
           <a:p>
             <a:pPr lvl="0"/>
             <a:r>
-              <a:rPr lang="ru-RU" smtClean="0"/>
+              <a:rPr lang="ru-RU"/>
               <a:t>Образец текста</a:t>
             </a:r>
           </a:p>
@@ -2184,38 +2169,37 @@
           <a:p>
             <a:pPr lvl="0"/>
             <a:r>
-              <a:rPr lang="ru-RU" smtClean="0"/>
+              <a:rPr lang="ru-RU"/>
               <a:t>Образец текста</a:t>
             </a:r>
           </a:p>
           <a:p>
             <a:pPr lvl="1"/>
             <a:r>
-              <a:rPr lang="ru-RU" smtClean="0"/>
+              <a:rPr lang="ru-RU"/>
               <a:t>Второй уровень</a:t>
             </a:r>
           </a:p>
           <a:p>
             <a:pPr lvl="2"/>
             <a:r>
-              <a:rPr lang="ru-RU" smtClean="0"/>
+              <a:rPr lang="ru-RU"/>
               <a:t>Третий уровень</a:t>
             </a:r>
           </a:p>
           <a:p>
             <a:pPr lvl="3"/>
             <a:r>
-              <a:rPr lang="ru-RU" smtClean="0"/>
+              <a:rPr lang="ru-RU"/>
               <a:t>Четвертый уровень</a:t>
             </a:r>
           </a:p>
           <a:p>
             <a:pPr lvl="4"/>
             <a:r>
-              <a:rPr lang="ru-RU" smtClean="0"/>
+              <a:rPr lang="ru-RU"/>
               <a:t>Пятый уровень</a:t>
             </a:r>
-            <a:endParaRPr lang="ru-RU"/>
           </a:p>
         </p:txBody>
       </p:sp>
@@ -2236,7 +2220,7 @@
           <a:p>
             <a:fld id="{A03A6AE9-7AAC-4594-AEAC-3D0CB8825301}" type="datetimeFigureOut">
               <a:rPr lang="ru-RU" smtClean="0"/>
-              <a:t>10.04.2017</a:t>
+              <a:t>11.06.2017</a:t>
             </a:fld>
             <a:endParaRPr lang="ru-RU"/>
           </a:p>
@@ -2330,10 +2314,9 @@
           <a:lstStyle/>
           <a:p>
             <a:r>
-              <a:rPr lang="ru-RU" smtClean="0"/>
+              <a:rPr lang="ru-RU"/>
               <a:t>Образец заголовка</a:t>
             </a:r>
-            <a:endParaRPr lang="ru-RU"/>
           </a:p>
         </p:txBody>
       </p:sp>
@@ -2354,7 +2337,7 @@
           <a:p>
             <a:fld id="{A03A6AE9-7AAC-4594-AEAC-3D0CB8825301}" type="datetimeFigureOut">
               <a:rPr lang="ru-RU" smtClean="0"/>
-              <a:t>10.04.2017</a:t>
+              <a:t>11.06.2017</a:t>
             </a:fld>
             <a:endParaRPr lang="ru-RU"/>
           </a:p>
@@ -2449,7 +2432,7 @@
           <a:p>
             <a:fld id="{A03A6AE9-7AAC-4594-AEAC-3D0CB8825301}" type="datetimeFigureOut">
               <a:rPr lang="ru-RU" smtClean="0"/>
-              <a:t>10.04.2017</a:t>
+              <a:t>11.06.2017</a:t>
             </a:fld>
             <a:endParaRPr lang="ru-RU"/>
           </a:p>
@@ -2552,10 +2535,9 @@
           </a:lstStyle>
           <a:p>
             <a:r>
-              <a:rPr lang="ru-RU" smtClean="0"/>
+              <a:rPr lang="ru-RU"/>
               <a:t>Образец заголовка</a:t>
             </a:r>
-            <a:endParaRPr lang="ru-RU"/>
           </a:p>
         </p:txBody>
       </p:sp>
@@ -2609,38 +2591,37 @@
           <a:p>
             <a:pPr lvl="0"/>
             <a:r>
-              <a:rPr lang="ru-RU" smtClean="0"/>
+              <a:rPr lang="ru-RU"/>
               <a:t>Образец текста</a:t>
             </a:r>
           </a:p>
           <a:p>
             <a:pPr lvl="1"/>
             <a:r>
-              <a:rPr lang="ru-RU" smtClean="0"/>
+              <a:rPr lang="ru-RU"/>
               <a:t>Второй уровень</a:t>
             </a:r>
           </a:p>
           <a:p>
             <a:pPr lvl="2"/>
             <a:r>
-              <a:rPr lang="ru-RU" smtClean="0"/>
+              <a:rPr lang="ru-RU"/>
               <a:t>Третий уровень</a:t>
             </a:r>
           </a:p>
           <a:p>
             <a:pPr lvl="3"/>
             <a:r>
-              <a:rPr lang="ru-RU" smtClean="0"/>
+              <a:rPr lang="ru-RU"/>
               <a:t>Четвертый уровень</a:t>
             </a:r>
           </a:p>
           <a:p>
             <a:pPr lvl="4"/>
             <a:r>
-              <a:rPr lang="ru-RU" smtClean="0"/>
+              <a:rPr lang="ru-RU"/>
               <a:t>Пятый уровень</a:t>
             </a:r>
-            <a:endParaRPr lang="ru-RU"/>
           </a:p>
         </p:txBody>
       </p:sp>
@@ -2703,7 +2684,7 @@
           <a:p>
             <a:pPr lvl="0"/>
             <a:r>
-              <a:rPr lang="ru-RU" smtClean="0"/>
+              <a:rPr lang="ru-RU"/>
               <a:t>Образец текста</a:t>
             </a:r>
           </a:p>
@@ -2726,7 +2707,7 @@
           <a:p>
             <a:fld id="{A03A6AE9-7AAC-4594-AEAC-3D0CB8825301}" type="datetimeFigureOut">
               <a:rPr lang="ru-RU" smtClean="0"/>
-              <a:t>10.04.2017</a:t>
+              <a:t>11.06.2017</a:t>
             </a:fld>
             <a:endParaRPr lang="ru-RU"/>
           </a:p>
@@ -2829,10 +2810,9 @@
           </a:lstStyle>
           <a:p>
             <a:r>
-              <a:rPr lang="ru-RU" smtClean="0"/>
+              <a:rPr lang="ru-RU"/>
               <a:t>Образец заголовка</a:t>
             </a:r>
-            <a:endParaRPr lang="ru-RU"/>
           </a:p>
         </p:txBody>
       </p:sp>
@@ -2956,7 +2936,7 @@
           <a:p>
             <a:pPr lvl="0"/>
             <a:r>
-              <a:rPr lang="ru-RU" smtClean="0"/>
+              <a:rPr lang="ru-RU"/>
               <a:t>Образец текста</a:t>
             </a:r>
           </a:p>
@@ -2979,7 +2959,7 @@
           <a:p>
             <a:fld id="{A03A6AE9-7AAC-4594-AEAC-3D0CB8825301}" type="datetimeFigureOut">
               <a:rPr lang="ru-RU" smtClean="0"/>
-              <a:t>10.04.2017</a:t>
+              <a:t>11.06.2017</a:t>
             </a:fld>
             <a:endParaRPr lang="ru-RU"/>
           </a:p>
@@ -3088,10 +3068,9 @@
           <a:lstStyle/>
           <a:p>
             <a:r>
-              <a:rPr lang="ru-RU" smtClean="0"/>
+              <a:rPr lang="ru-RU"/>
               <a:t>Образец заголовка</a:t>
             </a:r>
-            <a:endParaRPr lang="ru-RU"/>
           </a:p>
         </p:txBody>
       </p:sp>
@@ -3122,38 +3101,37 @@
           <a:p>
             <a:pPr lvl="0"/>
             <a:r>
-              <a:rPr lang="ru-RU" smtClean="0"/>
+              <a:rPr lang="ru-RU"/>
               <a:t>Образец текста</a:t>
             </a:r>
           </a:p>
           <a:p>
             <a:pPr lvl="1"/>
             <a:r>
-              <a:rPr lang="ru-RU" smtClean="0"/>
+              <a:rPr lang="ru-RU"/>
               <a:t>Второй уровень</a:t>
             </a:r>
           </a:p>
           <a:p>
             <a:pPr lvl="2"/>
             <a:r>
-              <a:rPr lang="ru-RU" smtClean="0"/>
+              <a:rPr lang="ru-RU"/>
               <a:t>Третий уровень</a:t>
             </a:r>
           </a:p>
           <a:p>
             <a:pPr lvl="3"/>
             <a:r>
-              <a:rPr lang="ru-RU" smtClean="0"/>
+              <a:rPr lang="ru-RU"/>
               <a:t>Четвертый уровень</a:t>
             </a:r>
           </a:p>
           <a:p>
             <a:pPr lvl="4"/>
             <a:r>
-              <a:rPr lang="ru-RU" smtClean="0"/>
+              <a:rPr lang="ru-RU"/>
               <a:t>Пятый уровень</a:t>
             </a:r>
-            <a:endParaRPr lang="ru-RU"/>
           </a:p>
         </p:txBody>
       </p:sp>
@@ -3192,7 +3170,7 @@
           <a:p>
             <a:fld id="{A03A6AE9-7AAC-4594-AEAC-3D0CB8825301}" type="datetimeFigureOut">
               <a:rPr lang="ru-RU" smtClean="0"/>
-              <a:t>10.04.2017</a:t>
+              <a:t>11.06.2017</a:t>
             </a:fld>
             <a:endParaRPr lang="ru-RU"/>
           </a:p>
@@ -3620,28 +3598,61 @@
           <a:lstStyle/>
           <a:p>
             <a:r>
-              <a:rPr lang="ru-RU" dirty="0" smtClean="0"/>
-              <a:t>Исследование </a:t>
-            </a:r>
-            <a:r>
-              <a:rPr lang="ru-RU" dirty="0" smtClean="0"/>
-              <a:t>алгоритма</a:t>
-            </a:r>
-            <a:r>
-              <a:rPr lang="en-US" dirty="0" smtClean="0"/>
+              <a:rPr lang="ru-RU" dirty="0"/>
+              <a:t>Исследование алгоритма</a:t>
+            </a:r>
+            <a:r>
+              <a:rPr lang="en-US" dirty="0"/>
               <a:t> </a:t>
             </a:r>
             <a:r>
-              <a:rPr lang="ru-RU" dirty="0" smtClean="0"/>
-              <a:t>Виолы-Джонса </a:t>
-            </a:r>
-            <a:r>
-              <a:rPr lang="ru-RU" dirty="0" smtClean="0"/>
-              <a:t>и его </a:t>
-            </a:r>
-            <a:r>
-              <a:rPr lang="ru-RU" dirty="0" smtClean="0"/>
-              <a:t>модификаций</a:t>
+              <a:rPr lang="ru-RU" dirty="0"/>
+              <a:t>Виолы-Джонса и его модификаций</a:t>
+            </a:r>
+          </a:p>
+        </p:txBody>
+      </p:sp>
+      <p:sp>
+        <p:nvSpPr>
+          <p:cNvPr id="3" name="TextBox 2"/>
+          <p:cNvSpPr txBox="1"/>
+          <p:nvPr/>
+        </p:nvSpPr>
+        <p:spPr>
+          <a:xfrm>
+            <a:off x="6305266" y="5281684"/>
+            <a:ext cx="4776716" cy="923330"/>
+          </a:xfrm>
+          <a:prstGeom prst="rect">
+            <a:avLst/>
+          </a:prstGeom>
+          <a:noFill/>
+        </p:spPr>
+        <p:txBody>
+          <a:bodyPr wrap="square" rtlCol="0">
+            <a:spAutoFit/>
+          </a:bodyPr>
+          <a:lstStyle/>
+          <a:p>
+            <a:r>
+              <a:rPr lang="ru-RU" dirty="0"/>
+              <a:t>Подготовил студент: Сидоренко Е.В.</a:t>
+            </a:r>
+          </a:p>
+          <a:p>
+            <a:r>
+              <a:rPr lang="ru-RU" dirty="0"/>
+              <a:t>Группа 43505/2</a:t>
+            </a:r>
+          </a:p>
+          <a:p>
+            <a:r>
+              <a:rPr lang="ru-RU" dirty="0"/>
+              <a:t>Руководитель: д.т.н., проф. </a:t>
+            </a:r>
+            <a:r>
+              <a:rPr lang="ru-RU"/>
+              <a:t>Малыхина Г.Ф.</a:t>
             </a:r>
             <a:endParaRPr lang="ru-RU" dirty="0"/>
           </a:p>
@@ -3701,7 +3712,7 @@
           <a:lstStyle/>
           <a:p>
             <a:r>
-              <a:rPr lang="en-US" b="1" dirty="0" smtClean="0"/>
+              <a:rPr lang="en-US" b="1" dirty="0"/>
               <a:t>AdaBoost</a:t>
             </a:r>
             <a:endParaRPr lang="ru-RU" b="1" dirty="0"/>
@@ -3786,7 +3797,7 @@
           <a:lstStyle/>
           <a:p>
             <a:r>
-              <a:rPr lang="en-US" b="1" dirty="0" smtClean="0"/>
+              <a:rPr lang="en-US" b="1" dirty="0"/>
               <a:t>AdaBoost</a:t>
             </a:r>
             <a:endParaRPr lang="ru-RU" b="1" dirty="0"/>
@@ -3817,52 +3828,32 @@
           <a:p>
             <a:pPr algn="just"/>
             <a:r>
-              <a:rPr lang="en-US" sz="2800" dirty="0" smtClean="0"/>
+              <a:rPr lang="en-US" sz="2800" dirty="0"/>
               <a:t>AdaBoost - </a:t>
             </a:r>
             <a:r>
               <a:rPr lang="ru-RU" sz="2800" dirty="0"/>
-              <a:t>алгоритм машинного обучения, предложенный Йоавом </a:t>
-            </a:r>
-            <a:r>
-              <a:rPr lang="ru-RU" sz="2800" dirty="0" smtClean="0"/>
-              <a:t>Фройндом</a:t>
-            </a:r>
-            <a:r>
-              <a:rPr lang="en-US" sz="2800" dirty="0" smtClean="0"/>
+              <a:t>алгоритм машинного обучения, предложенный Йоавом Фройндом</a:t>
+            </a:r>
+            <a:r>
+              <a:rPr lang="en-US" sz="2800" dirty="0"/>
               <a:t> </a:t>
             </a:r>
             <a:r>
               <a:rPr lang="ru-RU" sz="2800" dirty="0"/>
-              <a:t>и Робертом </a:t>
-            </a:r>
-            <a:r>
-              <a:rPr lang="ru-RU" sz="2800" dirty="0" smtClean="0"/>
-              <a:t>Шапиром</a:t>
-            </a:r>
-            <a:r>
-              <a:rPr lang="en-US" sz="2800" dirty="0" smtClean="0"/>
+              <a:t>и Робертом Шапиром</a:t>
+            </a:r>
+            <a:r>
+              <a:rPr lang="en-US" sz="2800" dirty="0"/>
               <a:t>. </a:t>
             </a:r>
-            <a:endParaRPr lang="ru-RU" sz="2800" dirty="0" smtClean="0"/>
+            <a:endParaRPr lang="ru-RU" sz="2800" dirty="0"/>
           </a:p>
           <a:p>
             <a:pPr algn="just"/>
             <a:r>
-              <a:rPr lang="ru-RU" sz="2800" dirty="0" smtClean="0"/>
-              <a:t>Является </a:t>
-            </a:r>
-            <a:r>
               <a:rPr lang="ru-RU" sz="2800" dirty="0"/>
-              <a:t>алгоритмом адаптивного </a:t>
-            </a:r>
-            <a:r>
-              <a:rPr lang="ru-RU" sz="2800" dirty="0" smtClean="0"/>
-              <a:t>бустинга, т.е. каждый </a:t>
-            </a:r>
-            <a:r>
-              <a:rPr lang="ru-RU" sz="2800" dirty="0"/>
-              <a:t>следующий классификатор строится по объектам, которые плохо классифицируются предыдущими классификаторами</a:t>
+              <a:t>Является алгоритмом адаптивного бустинга, т.е. каждый следующий классификатор строится по объектам, которые плохо классифицируются предыдущими классификаторами</a:t>
             </a:r>
           </a:p>
         </p:txBody>
@@ -3921,7 +3912,7 @@
           <a:lstStyle/>
           <a:p>
             <a:r>
-              <a:rPr lang="en-US" b="1" dirty="0" smtClean="0"/>
+              <a:rPr lang="en-US" b="1" dirty="0"/>
               <a:t>AdaBoost</a:t>
             </a:r>
             <a:endParaRPr lang="ru-RU" b="1" dirty="0"/>
@@ -3949,29 +3940,29 @@
               <a:p>
                 <a:pPr lvl="1" algn="just"/>
                 <a:r>
-                  <a:rPr lang="ru-RU" sz="2800" dirty="0" smtClean="0"/>
+                  <a:rPr lang="ru-RU" sz="2800" dirty="0"/>
                   <a:t>Основная концепция:</a:t>
                 </a:r>
               </a:p>
               <a:p>
                 <a:pPr lvl="2" algn="just"/>
                 <a:r>
-                  <a:rPr lang="ru-RU" sz="2800" dirty="0" smtClean="0"/>
+                  <a:rPr lang="ru-RU" sz="2800" dirty="0"/>
                   <a:t>Перевзвешивание весов неправильно классифицированных элементов выборки</a:t>
                 </a:r>
-                <a:endParaRPr lang="en-US" sz="2800" dirty="0" smtClean="0"/>
+                <a:endParaRPr lang="en-US" sz="2800" dirty="0"/>
               </a:p>
               <a:p>
                 <a:pPr lvl="2" algn="just"/>
                 <a:r>
-                  <a:rPr lang="ru-RU" sz="2800" dirty="0" smtClean="0"/>
+                  <a:rPr lang="ru-RU" sz="2800" dirty="0"/>
                   <a:t>Каждый слабый классификатор работает лучше чем случайное угадывание</a:t>
                 </a:r>
               </a:p>
               <a:p>
                 <a:pPr lvl="2" algn="just"/>
                 <a:r>
-                  <a:rPr lang="ru-RU" sz="2800" dirty="0" smtClean="0"/>
+                  <a:rPr lang="ru-RU" sz="2800" dirty="0"/>
                   <a:t>Построение сильного классификатора на основе слабых </a:t>
                 </a:r>
                 <a14:m>
@@ -4206,7 +4197,7 @@
           <a:lstStyle/>
           <a:p>
             <a:r>
-              <a:rPr lang="en-US" b="1" dirty="0" smtClean="0"/>
+              <a:rPr lang="en-US" b="1" dirty="0"/>
               <a:t>AdaBoost</a:t>
             </a:r>
             <a:endParaRPr lang="ru-RU" b="1" dirty="0"/>
@@ -4239,14 +4230,14 @@
               <a:p>
                 <a:pPr algn="just"/>
                 <a:r>
-                  <a:rPr lang="ru-RU" sz="2800" dirty="0" smtClean="0"/>
+                  <a:rPr lang="ru-RU" sz="2800" dirty="0"/>
                   <a:t>На вход алгоритма поступает обучающая выборка и вектор классификации, элементы которого отвечают за принадлежность элементов выборки к тому или иному классу</a:t>
                 </a:r>
               </a:p>
               <a:p>
                 <a:pPr algn="just"/>
                 <a:r>
-                  <a:rPr lang="ru-RU" sz="2800" dirty="0" smtClean="0"/>
+                  <a:rPr lang="ru-RU" sz="2800" dirty="0"/>
                   <a:t>Первый класс – числа </a:t>
                 </a:r>
                 <a14:m>
@@ -4286,18 +4277,18 @@
                     </m:d>
                   </m:oMath>
                 </a14:m>
-                <a:endParaRPr lang="en-US" sz="2800" b="0" dirty="0" smtClean="0">
+                <a:endParaRPr lang="en-US" sz="2800" b="0" dirty="0">
                   <a:ea typeface="Cambria Math" panose="02040503050406030204" pitchFamily="18" charset="0"/>
                 </a:endParaRPr>
               </a:p>
               <a:p>
                 <a:pPr algn="just"/>
                 <a:r>
-                  <a:rPr lang="ru-RU" sz="2800" dirty="0" smtClean="0"/>
+                  <a:rPr lang="ru-RU" sz="2800" dirty="0"/>
                   <a:t>Второй класс – числа</a:t>
                 </a:r>
                 <a:r>
-                  <a:rPr lang="en-US" sz="2800" dirty="0" smtClean="0"/>
+                  <a:rPr lang="en-US" sz="2800" dirty="0"/>
                   <a:t> </a:t>
                 </a:r>
                 <a14:m>
@@ -4317,7 +4308,7 @@
                     </m:r>
                   </m:oMath>
                 </a14:m>
-                <a:endParaRPr lang="ru-RU" sz="2800" dirty="0" smtClean="0"/>
+                <a:endParaRPr lang="ru-RU" sz="2800" dirty="0"/>
               </a:p>
               <a:p>
                 <a:pPr algn="just"/>
@@ -4482,7 +4473,7 @@
                     <a:p>
                       <a:pPr algn="ctr"/>
                       <a:r>
-                        <a:rPr lang="ru-RU" b="1" dirty="0" smtClean="0">
+                        <a:rPr lang="ru-RU" b="1" dirty="0">
                           <a:ln>
                             <a:noFill/>
                           </a:ln>
@@ -4492,14 +4483,6 @@
                         </a:rPr>
                         <a:t>Обучающая выборка</a:t>
                       </a:r>
-                      <a:endParaRPr lang="ru-RU" b="1" dirty="0">
-                        <a:ln>
-                          <a:noFill/>
-                        </a:ln>
-                        <a:solidFill>
-                          <a:schemeClr val="tx1"/>
-                        </a:solidFill>
-                      </a:endParaRPr>
                     </a:p>
                   </a:txBody>
                   <a:tcPr>
@@ -4557,7 +4540,7 @@
                     <a:p>
                       <a:pPr algn="ctr"/>
                       <a:r>
-                        <a:rPr lang="ru-RU" b="1" dirty="0" smtClean="0">
+                        <a:rPr lang="ru-RU" b="1" dirty="0">
                           <a:ln>
                             <a:noFill/>
                           </a:ln>
@@ -4567,14 +4550,6 @@
                         </a:rPr>
                         <a:t>0.5</a:t>
                       </a:r>
-                      <a:endParaRPr lang="ru-RU" b="1" dirty="0">
-                        <a:ln>
-                          <a:noFill/>
-                        </a:ln>
-                        <a:solidFill>
-                          <a:schemeClr val="tx1"/>
-                        </a:solidFill>
-                      </a:endParaRPr>
                     </a:p>
                   </a:txBody>
                   <a:tcPr>
@@ -4632,7 +4607,7 @@
                     <a:p>
                       <a:pPr algn="ctr"/>
                       <a:r>
-                        <a:rPr lang="ru-RU" b="1" dirty="0" smtClean="0">
+                        <a:rPr lang="ru-RU" b="1" dirty="0">
                           <a:ln>
                             <a:noFill/>
                           </a:ln>
@@ -4642,14 +4617,6 @@
                         </a:rPr>
                         <a:t>0.3</a:t>
                       </a:r>
-                      <a:endParaRPr lang="ru-RU" b="1" dirty="0">
-                        <a:ln>
-                          <a:noFill/>
-                        </a:ln>
-                        <a:solidFill>
-                          <a:schemeClr val="tx1"/>
-                        </a:solidFill>
-                      </a:endParaRPr>
                     </a:p>
                   </a:txBody>
                   <a:tcPr>
@@ -4707,7 +4674,7 @@
                     <a:p>
                       <a:pPr algn="ctr"/>
                       <a:r>
-                        <a:rPr lang="ru-RU" b="1" dirty="0" smtClean="0">
+                        <a:rPr lang="ru-RU" b="1" dirty="0">
                           <a:ln>
                             <a:noFill/>
                           </a:ln>
@@ -4717,14 +4684,6 @@
                         </a:rPr>
                         <a:t>0.6</a:t>
                       </a:r>
-                      <a:endParaRPr lang="ru-RU" b="1" dirty="0">
-                        <a:ln>
-                          <a:noFill/>
-                        </a:ln>
-                        <a:solidFill>
-                          <a:schemeClr val="tx1"/>
-                        </a:solidFill>
-                      </a:endParaRPr>
                     </a:p>
                   </a:txBody>
                   <a:tcPr>
@@ -4782,7 +4741,7 @@
                     <a:p>
                       <a:pPr algn="ctr"/>
                       <a:r>
-                        <a:rPr lang="ru-RU" b="1" dirty="0" smtClean="0">
+                        <a:rPr lang="ru-RU" b="1" dirty="0">
                           <a:ln>
                             <a:noFill/>
                           </a:ln>
@@ -4792,14 +4751,6 @@
                         </a:rPr>
                         <a:t>1.1</a:t>
                       </a:r>
-                      <a:endParaRPr lang="ru-RU" b="1" dirty="0">
-                        <a:ln>
-                          <a:noFill/>
-                        </a:ln>
-                        <a:solidFill>
-                          <a:schemeClr val="tx1"/>
-                        </a:solidFill>
-                      </a:endParaRPr>
                     </a:p>
                   </a:txBody>
                   <a:tcPr>
@@ -4857,7 +4808,7 @@
                     <a:p>
                       <a:pPr algn="ctr"/>
                       <a:r>
-                        <a:rPr lang="ru-RU" b="1" dirty="0" smtClean="0">
+                        <a:rPr lang="ru-RU" b="1" dirty="0">
                           <a:ln>
                             <a:noFill/>
                           </a:ln>
@@ -4867,14 +4818,6 @@
                         </a:rPr>
                         <a:t>0.4</a:t>
                       </a:r>
-                      <a:endParaRPr lang="ru-RU" b="1" dirty="0">
-                        <a:ln>
-                          <a:noFill/>
-                        </a:ln>
-                        <a:solidFill>
-                          <a:schemeClr val="tx1"/>
-                        </a:solidFill>
-                      </a:endParaRPr>
                     </a:p>
                   </a:txBody>
                   <a:tcPr>
@@ -4932,7 +4875,7 @@
                     <a:p>
                       <a:pPr algn="ctr"/>
                       <a:r>
-                        <a:rPr lang="ru-RU" b="1" dirty="0" smtClean="0">
+                        <a:rPr lang="ru-RU" b="1" dirty="0">
                           <a:ln>
                             <a:noFill/>
                           </a:ln>
@@ -4942,14 +4885,6 @@
                         </a:rPr>
                         <a:t>1.5</a:t>
                       </a:r>
-                      <a:endParaRPr lang="ru-RU" b="1" dirty="0">
-                        <a:ln>
-                          <a:noFill/>
-                        </a:ln>
-                        <a:solidFill>
-                          <a:schemeClr val="tx1"/>
-                        </a:solidFill>
-                      </a:endParaRPr>
                     </a:p>
                   </a:txBody>
                   <a:tcPr>
@@ -5007,7 +4942,7 @@
                     <a:p>
                       <a:pPr algn="ctr"/>
                       <a:r>
-                        <a:rPr lang="ru-RU" b="1" dirty="0" smtClean="0">
+                        <a:rPr lang="ru-RU" b="1" dirty="0">
                           <a:ln>
                             <a:noFill/>
                           </a:ln>
@@ -5017,14 +4952,6 @@
                         </a:rPr>
                         <a:t>0.9</a:t>
                       </a:r>
-                      <a:endParaRPr lang="ru-RU" b="1" dirty="0">
-                        <a:ln>
-                          <a:noFill/>
-                        </a:ln>
-                        <a:solidFill>
-                          <a:schemeClr val="tx1"/>
-                        </a:solidFill>
-                      </a:endParaRPr>
                     </a:p>
                   </a:txBody>
                   <a:tcPr>
@@ -5082,7 +5009,7 @@
                     <a:p>
                       <a:pPr algn="ctr"/>
                       <a:r>
-                        <a:rPr lang="ru-RU" b="1" dirty="0" smtClean="0">
+                        <a:rPr lang="ru-RU" b="1" dirty="0">
                           <a:ln>
                             <a:noFill/>
                           </a:ln>
@@ -5092,14 +5019,6 @@
                         </a:rPr>
                         <a:t>1.8</a:t>
                       </a:r>
-                      <a:endParaRPr lang="ru-RU" b="1" dirty="0">
-                        <a:ln>
-                          <a:noFill/>
-                        </a:ln>
-                        <a:solidFill>
-                          <a:schemeClr val="tx1"/>
-                        </a:solidFill>
-                      </a:endParaRPr>
                     </a:p>
                   </a:txBody>
                   <a:tcPr>
@@ -5157,7 +5076,7 @@
                     <a:p>
                       <a:pPr algn="ctr"/>
                       <a:r>
-                        <a:rPr lang="ru-RU" b="1" dirty="0" smtClean="0">
+                        <a:rPr lang="ru-RU" b="1" dirty="0">
                           <a:ln>
                             <a:noFill/>
                           </a:ln>
@@ -5167,14 +5086,6 @@
                         </a:rPr>
                         <a:t>1.1</a:t>
                       </a:r>
-                      <a:endParaRPr lang="ru-RU" b="1" dirty="0">
-                        <a:ln>
-                          <a:noFill/>
-                        </a:ln>
-                        <a:solidFill>
-                          <a:schemeClr val="tx1"/>
-                        </a:solidFill>
-                      </a:endParaRPr>
                     </a:p>
                   </a:txBody>
                   <a:tcPr>
@@ -5232,7 +5143,7 @@
                     <a:p>
                       <a:pPr algn="ctr"/>
                       <a:r>
-                        <a:rPr lang="ru-RU" b="1" dirty="0" smtClean="0">
+                        <a:rPr lang="ru-RU" b="1" dirty="0">
                           <a:ln>
                             <a:noFill/>
                           </a:ln>
@@ -5242,14 +5153,6 @@
                         </a:rPr>
                         <a:t>0.7</a:t>
                       </a:r>
-                      <a:endParaRPr lang="ru-RU" b="1" dirty="0">
-                        <a:ln>
-                          <a:noFill/>
-                        </a:ln>
-                        <a:solidFill>
-                          <a:schemeClr val="tx1"/>
-                        </a:solidFill>
-                      </a:endParaRPr>
                     </a:p>
                   </a:txBody>
                   <a:tcPr>
@@ -5307,7 +5210,7 @@
                     <a:p>
                       <a:pPr algn="ctr"/>
                       <a:r>
-                        <a:rPr lang="ru-RU" b="1" dirty="0" smtClean="0">
+                        <a:rPr lang="ru-RU" b="1" dirty="0">
                           <a:ln>
                             <a:noFill/>
                           </a:ln>
@@ -5317,14 +5220,6 @@
                         </a:rPr>
                         <a:t>0.1</a:t>
                       </a:r>
-                      <a:endParaRPr lang="ru-RU" b="1" dirty="0">
-                        <a:ln>
-                          <a:noFill/>
-                        </a:ln>
-                        <a:solidFill>
-                          <a:schemeClr val="tx1"/>
-                        </a:solidFill>
-                      </a:endParaRPr>
                     </a:p>
                   </a:txBody>
                   <a:tcPr>
@@ -5389,7 +5284,7 @@
                     <a:p>
                       <a:pPr algn="ctr"/>
                       <a:r>
-                        <a:rPr lang="ru-RU" b="1" dirty="0" smtClean="0">
+                        <a:rPr lang="ru-RU" b="1" dirty="0">
                           <a:ln>
                             <a:noFill/>
                           </a:ln>
@@ -5399,14 +5294,6 @@
                         </a:rPr>
                         <a:t>Вектор классификации</a:t>
                       </a:r>
-                      <a:endParaRPr lang="ru-RU" b="1" dirty="0">
-                        <a:ln>
-                          <a:noFill/>
-                        </a:ln>
-                        <a:solidFill>
-                          <a:schemeClr val="tx1"/>
-                        </a:solidFill>
-                      </a:endParaRPr>
                     </a:p>
                   </a:txBody>
                   <a:tcPr>
@@ -5464,7 +5351,7 @@
                     <a:p>
                       <a:pPr algn="ctr"/>
                       <a:r>
-                        <a:rPr lang="ru-RU" b="1" dirty="0" smtClean="0">
+                        <a:rPr lang="ru-RU" b="1" dirty="0">
                           <a:ln>
                             <a:noFill/>
                           </a:ln>
@@ -5474,14 +5361,6 @@
                         </a:rPr>
                         <a:t>1</a:t>
                       </a:r>
-                      <a:endParaRPr lang="ru-RU" b="1" dirty="0">
-                        <a:ln>
-                          <a:noFill/>
-                        </a:ln>
-                        <a:solidFill>
-                          <a:schemeClr val="tx1"/>
-                        </a:solidFill>
-                      </a:endParaRPr>
                     </a:p>
                   </a:txBody>
                   <a:tcPr>
@@ -5539,7 +5418,7 @@
                     <a:p>
                       <a:pPr algn="ctr"/>
                       <a:r>
-                        <a:rPr lang="ru-RU" b="1" dirty="0" smtClean="0">
+                        <a:rPr lang="ru-RU" b="1" dirty="0">
                           <a:ln>
                             <a:noFill/>
                           </a:ln>
@@ -5549,14 +5428,6 @@
                         </a:rPr>
                         <a:t>1</a:t>
                       </a:r>
-                      <a:endParaRPr lang="ru-RU" b="1" dirty="0">
-                        <a:ln>
-                          <a:noFill/>
-                        </a:ln>
-                        <a:solidFill>
-                          <a:schemeClr val="tx1"/>
-                        </a:solidFill>
-                      </a:endParaRPr>
                     </a:p>
                   </a:txBody>
                   <a:tcPr>
@@ -5614,7 +5485,7 @@
                     <a:p>
                       <a:pPr algn="ctr"/>
                       <a:r>
-                        <a:rPr lang="ru-RU" b="1" dirty="0" smtClean="0">
+                        <a:rPr lang="ru-RU" b="1" dirty="0">
                           <a:ln>
                             <a:noFill/>
                           </a:ln>
@@ -5624,14 +5495,6 @@
                         </a:rPr>
                         <a:t>1</a:t>
                       </a:r>
-                      <a:endParaRPr lang="ru-RU" b="1" dirty="0">
-                        <a:ln>
-                          <a:noFill/>
-                        </a:ln>
-                        <a:solidFill>
-                          <a:schemeClr val="tx1"/>
-                        </a:solidFill>
-                      </a:endParaRPr>
                     </a:p>
                   </a:txBody>
                   <a:tcPr>
@@ -5689,7 +5552,7 @@
                     <a:p>
                       <a:pPr algn="ctr"/>
                       <a:r>
-                        <a:rPr lang="ru-RU" b="1" dirty="0" smtClean="0">
+                        <a:rPr lang="ru-RU" b="1" dirty="0">
                           <a:ln>
                             <a:noFill/>
                           </a:ln>
@@ -5699,14 +5562,6 @@
                         </a:rPr>
                         <a:t>-1</a:t>
                       </a:r>
-                      <a:endParaRPr lang="ru-RU" b="1" dirty="0">
-                        <a:ln>
-                          <a:noFill/>
-                        </a:ln>
-                        <a:solidFill>
-                          <a:schemeClr val="tx1"/>
-                        </a:solidFill>
-                      </a:endParaRPr>
                     </a:p>
                   </a:txBody>
                   <a:tcPr>
@@ -5764,7 +5619,7 @@
                     <a:p>
                       <a:pPr algn="ctr"/>
                       <a:r>
-                        <a:rPr lang="ru-RU" b="1" dirty="0" smtClean="0">
+                        <a:rPr lang="ru-RU" b="1" dirty="0">
                           <a:ln>
                             <a:noFill/>
                           </a:ln>
@@ -5774,14 +5629,6 @@
                         </a:rPr>
                         <a:t>1</a:t>
                       </a:r>
-                      <a:endParaRPr lang="ru-RU" b="1" dirty="0">
-                        <a:ln>
-                          <a:noFill/>
-                        </a:ln>
-                        <a:solidFill>
-                          <a:schemeClr val="tx1"/>
-                        </a:solidFill>
-                      </a:endParaRPr>
                     </a:p>
                   </a:txBody>
                   <a:tcPr>
@@ -5839,7 +5686,7 @@
                     <a:p>
                       <a:pPr algn="ctr"/>
                       <a:r>
-                        <a:rPr lang="ru-RU" b="1" dirty="0" smtClean="0">
+                        <a:rPr lang="ru-RU" b="1" dirty="0">
                           <a:ln>
                             <a:noFill/>
                           </a:ln>
@@ -5849,14 +5696,6 @@
                         </a:rPr>
                         <a:t>-1</a:t>
                       </a:r>
-                      <a:endParaRPr lang="ru-RU" b="1" dirty="0">
-                        <a:ln>
-                          <a:noFill/>
-                        </a:ln>
-                        <a:solidFill>
-                          <a:schemeClr val="tx1"/>
-                        </a:solidFill>
-                      </a:endParaRPr>
                     </a:p>
                   </a:txBody>
                   <a:tcPr>
@@ -5914,7 +5753,7 @@
                     <a:p>
                       <a:pPr algn="ctr"/>
                       <a:r>
-                        <a:rPr lang="ru-RU" b="1" dirty="0" smtClean="0">
+                        <a:rPr lang="ru-RU" b="1" dirty="0">
                           <a:ln>
                             <a:noFill/>
                           </a:ln>
@@ -5924,14 +5763,6 @@
                         </a:rPr>
                         <a:t>1</a:t>
                       </a:r>
-                      <a:endParaRPr lang="ru-RU" b="1" dirty="0">
-                        <a:ln>
-                          <a:noFill/>
-                        </a:ln>
-                        <a:solidFill>
-                          <a:schemeClr val="tx1"/>
-                        </a:solidFill>
-                      </a:endParaRPr>
                     </a:p>
                   </a:txBody>
                   <a:tcPr>
@@ -5989,7 +5820,7 @@
                     <a:p>
                       <a:pPr algn="ctr"/>
                       <a:r>
-                        <a:rPr lang="ru-RU" b="1" dirty="0" smtClean="0">
+                        <a:rPr lang="ru-RU" b="1" dirty="0">
                           <a:ln>
                             <a:noFill/>
                           </a:ln>
@@ -5999,14 +5830,6 @@
                         </a:rPr>
                         <a:t>-1</a:t>
                       </a:r>
-                      <a:endParaRPr lang="ru-RU" b="1" dirty="0">
-                        <a:ln>
-                          <a:noFill/>
-                        </a:ln>
-                        <a:solidFill>
-                          <a:schemeClr val="tx1"/>
-                        </a:solidFill>
-                      </a:endParaRPr>
                     </a:p>
                   </a:txBody>
                   <a:tcPr>
@@ -6064,7 +5887,7 @@
                     <a:p>
                       <a:pPr algn="ctr"/>
                       <a:r>
-                        <a:rPr lang="ru-RU" b="1" dirty="0" smtClean="0">
+                        <a:rPr lang="ru-RU" b="1" dirty="0">
                           <a:ln>
                             <a:noFill/>
                           </a:ln>
@@ -6074,14 +5897,6 @@
                         </a:rPr>
                         <a:t>-1</a:t>
                       </a:r>
-                      <a:endParaRPr lang="ru-RU" b="1" dirty="0">
-                        <a:ln>
-                          <a:noFill/>
-                        </a:ln>
-                        <a:solidFill>
-                          <a:schemeClr val="tx1"/>
-                        </a:solidFill>
-                      </a:endParaRPr>
                     </a:p>
                   </a:txBody>
                   <a:tcPr>
@@ -6139,7 +5954,7 @@
                     <a:p>
                       <a:pPr algn="ctr"/>
                       <a:r>
-                        <a:rPr lang="ru-RU" b="1" dirty="0" smtClean="0">
+                        <a:rPr lang="ru-RU" b="1" dirty="0">
                           <a:ln>
                             <a:noFill/>
                           </a:ln>
@@ -6149,14 +5964,6 @@
                         </a:rPr>
                         <a:t>1</a:t>
                       </a:r>
-                      <a:endParaRPr lang="ru-RU" b="1" dirty="0">
-                        <a:ln>
-                          <a:noFill/>
-                        </a:ln>
-                        <a:solidFill>
-                          <a:schemeClr val="tx1"/>
-                        </a:solidFill>
-                      </a:endParaRPr>
                     </a:p>
                   </a:txBody>
                   <a:tcPr>
@@ -6214,7 +6021,7 @@
                     <a:p>
                       <a:pPr algn="ctr"/>
                       <a:r>
-                        <a:rPr lang="ru-RU" b="1" dirty="0" smtClean="0">
+                        <a:rPr lang="ru-RU" b="1" dirty="0">
                           <a:ln>
                             <a:noFill/>
                           </a:ln>
@@ -6224,14 +6031,6 @@
                         </a:rPr>
                         <a:t>1</a:t>
                       </a:r>
-                      <a:endParaRPr lang="ru-RU" b="1" dirty="0">
-                        <a:ln>
-                          <a:noFill/>
-                        </a:ln>
-                        <a:solidFill>
-                          <a:schemeClr val="tx1"/>
-                        </a:solidFill>
-                      </a:endParaRPr>
                     </a:p>
                   </a:txBody>
                   <a:tcPr>
@@ -6346,7 +6145,7 @@
           <a:lstStyle/>
           <a:p>
             <a:r>
-              <a:rPr lang="en-US" b="1" dirty="0" smtClean="0"/>
+              <a:rPr lang="en-US" b="1" dirty="0"/>
               <a:t>AdaBoost</a:t>
             </a:r>
             <a:endParaRPr lang="ru-RU" b="1" dirty="0"/>
@@ -6376,7 +6175,7 @@
           <a:lstStyle/>
           <a:p>
             <a:r>
-              <a:rPr lang="ru-RU" sz="2800" dirty="0" smtClean="0"/>
+              <a:rPr lang="ru-RU" sz="2800" dirty="0"/>
               <a:t>Преимущества:</a:t>
             </a:r>
           </a:p>
@@ -6386,56 +6185,55 @@
               <a:rPr lang="ru-RU" sz="2800" dirty="0"/>
               <a:t>Хорошая обобщающая способность</a:t>
             </a:r>
-            <a:endParaRPr lang="en-US" sz="2800" dirty="0" smtClean="0"/>
+            <a:endParaRPr lang="en-US" sz="2800" dirty="0"/>
           </a:p>
           <a:p>
             <a:pPr lvl="1"/>
             <a:r>
-              <a:rPr lang="ru-RU" sz="2800" dirty="0" smtClean="0"/>
+              <a:rPr lang="ru-RU" sz="2800" dirty="0"/>
               <a:t>Улучшает точность классификации</a:t>
             </a:r>
           </a:p>
           <a:p>
             <a:pPr lvl="1"/>
             <a:r>
-              <a:rPr lang="ru-RU" sz="2800" dirty="0" smtClean="0"/>
+              <a:rPr lang="ru-RU" sz="2800" dirty="0"/>
               <a:t>Используется в различных областях</a:t>
             </a:r>
           </a:p>
           <a:p>
             <a:pPr lvl="1"/>
             <a:r>
-              <a:rPr lang="ru-RU" sz="2800" dirty="0" smtClean="0"/>
+              <a:rPr lang="ru-RU" sz="2800" dirty="0"/>
               <a:t>Прост в реализации</a:t>
             </a:r>
           </a:p>
           <a:p>
             <a:pPr lvl="1"/>
             <a:r>
-              <a:rPr lang="ru-RU" sz="2800" dirty="0" smtClean="0"/>
+              <a:rPr lang="ru-RU" sz="2800" dirty="0"/>
               <a:t>Не склонен к переобучению</a:t>
             </a:r>
           </a:p>
           <a:p>
             <a:r>
-              <a:rPr lang="ru-RU" sz="2800" dirty="0" smtClean="0"/>
+              <a:rPr lang="ru-RU" sz="2800" dirty="0"/>
               <a:t>Недостатки:</a:t>
             </a:r>
           </a:p>
           <a:p>
             <a:pPr lvl="1"/>
             <a:r>
-              <a:rPr lang="ru-RU" sz="2800" dirty="0" smtClean="0"/>
+              <a:rPr lang="ru-RU" sz="2800" dirty="0"/>
               <a:t>Требует достаточно длинных обучающих выборок</a:t>
             </a:r>
           </a:p>
           <a:p>
             <a:pPr lvl="1"/>
             <a:r>
-              <a:rPr lang="ru-RU" sz="2800" dirty="0" smtClean="0"/>
+              <a:rPr lang="ru-RU" sz="2800" dirty="0"/>
               <a:t>Требует большое количество итераций</a:t>
             </a:r>
-            <a:endParaRPr lang="ru-RU" sz="2800" dirty="0"/>
           </a:p>
         </p:txBody>
       </p:sp>
@@ -6493,7 +6291,7 @@
           <a:lstStyle/>
           <a:p>
             <a:r>
-              <a:rPr lang="en-US" b="1" dirty="0" smtClean="0"/>
+              <a:rPr lang="en-US" b="1" dirty="0"/>
               <a:t>AdaBoost</a:t>
             </a:r>
             <a:endParaRPr lang="ru-RU" b="1" dirty="0"/>
@@ -6519,17 +6317,16 @@
           <a:p>
             <a:pPr algn="just"/>
             <a:r>
-              <a:rPr lang="ru-RU" sz="2800" dirty="0" smtClean="0"/>
+              <a:rPr lang="ru-RU" sz="2800" dirty="0"/>
               <a:t>Сильный классификатор – линейная комбинация слабых классификаторов. Он наиболее точно классифицирует тренировочную выборку.</a:t>
             </a:r>
           </a:p>
           <a:p>
             <a:pPr algn="just"/>
             <a:r>
-              <a:rPr lang="ru-RU" sz="2800" dirty="0" smtClean="0"/>
+              <a:rPr lang="ru-RU" sz="2800" dirty="0"/>
               <a:t>Этапы классификации можно представить в виде бинарного дерева</a:t>
             </a:r>
-            <a:endParaRPr lang="ru-RU" sz="2800" dirty="0"/>
           </a:p>
         </p:txBody>
       </p:sp>
@@ -6587,7 +6384,7 @@
           <a:lstStyle/>
           <a:p>
             <a:r>
-              <a:rPr lang="en-US" b="1" dirty="0" smtClean="0"/>
+              <a:rPr lang="en-US" b="1" dirty="0"/>
               <a:t>AdaBoost</a:t>
             </a:r>
             <a:endParaRPr lang="ru-RU" b="1" dirty="0"/>
@@ -6775,7 +6572,7 @@
           <a:lstStyle/>
           <a:p>
             <a:r>
-              <a:rPr lang="en-US" b="1" dirty="0" smtClean="0"/>
+              <a:rPr lang="en-US" b="1" dirty="0"/>
               <a:t>AdaBoost</a:t>
             </a:r>
             <a:endParaRPr lang="ru-RU" b="1" dirty="0"/>
@@ -6907,7 +6704,7 @@
           <a:lstStyle/>
           <a:p>
             <a:r>
-              <a:rPr lang="en-US" b="1" dirty="0" smtClean="0"/>
+              <a:rPr lang="en-US" b="1" dirty="0"/>
               <a:t>AdaBoost</a:t>
             </a:r>
             <a:endParaRPr lang="ru-RU" b="1" dirty="0"/>
@@ -6938,15 +6735,7 @@
           <a:p>
             <a:r>
               <a:rPr lang="ru-RU" sz="2800" dirty="0"/>
-              <a:t>Н</a:t>
-            </a:r>
-            <a:r>
-              <a:rPr lang="ru-RU" sz="2800" dirty="0" smtClean="0"/>
-              <a:t>а </a:t>
-            </a:r>
-            <a:r>
-              <a:rPr lang="ru-RU" sz="2800" dirty="0"/>
-              <a:t>каждой итерации алгоритма </a:t>
+              <a:t>На каждой итерации алгоритма </a:t>
             </a:r>
             <a:r>
               <a:rPr lang="en-US" sz="2800" dirty="0"/>
@@ -7046,10 +6835,9 @@
           <a:lstStyle/>
           <a:p>
             <a:r>
-              <a:rPr lang="ru-RU" b="1" dirty="0" smtClean="0"/>
+              <a:rPr lang="ru-RU" b="1" dirty="0"/>
               <a:t>Обзорная часть</a:t>
             </a:r>
-            <a:endParaRPr lang="ru-RU" b="1" dirty="0"/>
           </a:p>
         </p:txBody>
       </p:sp>
@@ -7071,28 +6859,27 @@
           <a:lstStyle/>
           <a:p>
             <a:r>
-              <a:rPr lang="ru-RU" sz="2800" dirty="0" smtClean="0"/>
+              <a:rPr lang="ru-RU" sz="2800" dirty="0"/>
               <a:t>Признаки Хаара</a:t>
             </a:r>
           </a:p>
           <a:p>
             <a:r>
-              <a:rPr lang="ru-RU" sz="2800" dirty="0" smtClean="0"/>
+              <a:rPr lang="ru-RU" sz="2800" dirty="0"/>
               <a:t>Интегральное изображение</a:t>
             </a:r>
           </a:p>
           <a:p>
             <a:r>
-              <a:rPr lang="en-US" sz="2800" dirty="0" smtClean="0"/>
+              <a:rPr lang="en-US" sz="2800" dirty="0"/>
               <a:t>AdaBoost</a:t>
             </a:r>
           </a:p>
           <a:p>
             <a:r>
-              <a:rPr lang="ru-RU" sz="2800" dirty="0" smtClean="0"/>
+              <a:rPr lang="ru-RU" sz="2800" dirty="0"/>
               <a:t>Тестирование алгоритма</a:t>
             </a:r>
-            <a:endParaRPr lang="ru-RU" sz="2800" dirty="0"/>
           </a:p>
         </p:txBody>
       </p:sp>
@@ -7150,7 +6937,7 @@
           <a:lstStyle/>
           <a:p>
             <a:r>
-              <a:rPr lang="en-US" b="1" dirty="0" smtClean="0"/>
+              <a:rPr lang="en-US" b="1" dirty="0"/>
               <a:t>AdaBoost</a:t>
             </a:r>
             <a:endParaRPr lang="ru-RU" b="1" dirty="0"/>
@@ -7181,15 +6968,7 @@
           <a:p>
             <a:r>
               <a:rPr lang="ru-RU" sz="2800" dirty="0"/>
-              <a:t>Н</a:t>
-            </a:r>
-            <a:r>
-              <a:rPr lang="ru-RU" sz="2800" dirty="0" smtClean="0"/>
-              <a:t>а </a:t>
-            </a:r>
-            <a:r>
-              <a:rPr lang="ru-RU" sz="2800" dirty="0"/>
-              <a:t>каждой итерации алгоритма </a:t>
+              <a:t>На каждой итерации алгоритма </a:t>
             </a:r>
             <a:r>
               <a:rPr lang="en-US" sz="2800" dirty="0"/>
@@ -7289,7 +7068,7 @@
           <a:lstStyle/>
           <a:p>
             <a:r>
-              <a:rPr lang="en-US" b="1" dirty="0" smtClean="0"/>
+              <a:rPr lang="en-US" b="1" dirty="0"/>
               <a:t>AdaBoost</a:t>
             </a:r>
             <a:endParaRPr lang="ru-RU" b="1" dirty="0"/>
@@ -7320,15 +7099,7 @@
           <a:p>
             <a:r>
               <a:rPr lang="ru-RU" sz="2800" dirty="0"/>
-              <a:t>Н</a:t>
-            </a:r>
-            <a:r>
-              <a:rPr lang="ru-RU" sz="2800" dirty="0" smtClean="0"/>
-              <a:t>а </a:t>
-            </a:r>
-            <a:r>
-              <a:rPr lang="ru-RU" sz="2800" dirty="0"/>
-              <a:t>каждой итерации алгоритма </a:t>
+              <a:t>На каждой итерации алгоритма </a:t>
             </a:r>
             <a:r>
               <a:rPr lang="en-US" sz="2800" dirty="0"/>
@@ -7420,10 +7191,9 @@
           <a:lstStyle/>
           <a:p>
             <a:r>
-              <a:rPr lang="ru-RU" dirty="0" smtClean="0"/>
+              <a:rPr lang="ru-RU" dirty="0"/>
               <a:t>Результаты тестирования</a:t>
             </a:r>
-            <a:endParaRPr lang="ru-RU" dirty="0"/>
           </a:p>
         </p:txBody>
       </p:sp>
@@ -7496,10 +7266,9 @@
           <a:lstStyle/>
           <a:p>
             <a:r>
-              <a:rPr lang="ru-RU" dirty="0" smtClean="0"/>
+              <a:rPr lang="ru-RU" dirty="0"/>
               <a:t>Результаты тестирования</a:t>
             </a:r>
-            <a:endParaRPr lang="ru-RU" dirty="0"/>
           </a:p>
         </p:txBody>
       </p:sp>
@@ -7582,10 +7351,9 @@
           <a:lstStyle/>
           <a:p>
             <a:r>
-              <a:rPr lang="ru-RU" dirty="0" smtClean="0"/>
+              <a:rPr lang="ru-RU" dirty="0"/>
               <a:t>Результаты тестирования</a:t>
             </a:r>
-            <a:endParaRPr lang="ru-RU" dirty="0"/>
           </a:p>
         </p:txBody>
       </p:sp>
@@ -7696,19 +7464,19 @@
                         </a:spcAft>
                       </a:pPr>
                       <a:r>
-                        <a:rPr lang="ru-RU" sz="2000" kern="50" dirty="0" smtClean="0">
+                        <a:rPr lang="ru-RU" sz="2000" kern="50" dirty="0">
                           <a:effectLst/>
                         </a:rPr>
                         <a:t>Позитивных</a:t>
                       </a:r>
                       <a:r>
-                        <a:rPr lang="ru-RU" sz="2000" kern="50" baseline="0" dirty="0" smtClean="0">
+                        <a:rPr lang="ru-RU" sz="2000" kern="50" baseline="0" dirty="0">
                           <a:effectLst/>
                         </a:rPr>
                         <a:t> </a:t>
                       </a:r>
                       <a:r>
-                        <a:rPr lang="ru-RU" sz="2000" kern="50" dirty="0" smtClean="0">
+                        <a:rPr lang="ru-RU" sz="2000" kern="50" dirty="0">
                           <a:effectLst/>
                         </a:rPr>
                         <a:t>образцов</a:t>
@@ -8337,10 +8105,9 @@
           <a:lstStyle/>
           <a:p>
             <a:r>
-              <a:rPr lang="ru-RU" b="1" dirty="0" smtClean="0"/>
+              <a:rPr lang="ru-RU" b="1" dirty="0"/>
               <a:t>Признаки Хаара</a:t>
             </a:r>
-            <a:endParaRPr lang="ru-RU" b="1" dirty="0"/>
           </a:p>
         </p:txBody>
       </p:sp>
@@ -8368,7 +8135,7 @@
           <a:p>
             <a:pPr algn="just"/>
             <a:r>
-              <a:rPr lang="ru-RU" sz="2800" dirty="0" smtClean="0"/>
+              <a:rPr lang="ru-RU" sz="2800" dirty="0"/>
               <a:t>Признак Хаара – численное значение, характеризующееся разностью</a:t>
             </a:r>
             <a:r>
@@ -8376,38 +8143,37 @@
               <a:t> </a:t>
             </a:r>
             <a:r>
-              <a:rPr lang="ru-RU" sz="2800" dirty="0" smtClean="0"/>
+              <a:rPr lang="ru-RU" sz="2800" dirty="0"/>
               <a:t>суммы пикселей между черной и белой областями.</a:t>
             </a:r>
           </a:p>
           <a:p>
             <a:pPr algn="just"/>
             <a:r>
-              <a:rPr lang="ru-RU" sz="2800" dirty="0" smtClean="0"/>
+              <a:rPr lang="ru-RU" sz="2800" dirty="0"/>
               <a:t>Характеристики признака:</a:t>
             </a:r>
           </a:p>
           <a:p>
             <a:pPr lvl="1" algn="just"/>
             <a:r>
-              <a:rPr lang="ru-RU" sz="2800" dirty="0" smtClean="0"/>
+              <a:rPr lang="ru-RU" sz="2800" dirty="0"/>
               <a:t>Форма</a:t>
             </a:r>
           </a:p>
           <a:p>
             <a:pPr lvl="1" algn="just"/>
             <a:r>
-              <a:rPr lang="ru-RU" sz="2800" dirty="0" smtClean="0"/>
+              <a:rPr lang="ru-RU" sz="2800" dirty="0"/>
               <a:t>Размер</a:t>
             </a:r>
           </a:p>
           <a:p>
             <a:pPr lvl="1" algn="just"/>
             <a:r>
-              <a:rPr lang="ru-RU" sz="2800" dirty="0" smtClean="0"/>
+              <a:rPr lang="ru-RU" sz="2800" dirty="0"/>
               <a:t>Положение на изображении</a:t>
             </a:r>
-            <a:endParaRPr lang="ru-RU" sz="2800" dirty="0"/>
           </a:p>
         </p:txBody>
       </p:sp>
@@ -8498,10 +8264,9 @@
           <a:lstStyle/>
           <a:p>
             <a:r>
-              <a:rPr lang="ru-RU" b="1" dirty="0" smtClean="0"/>
+              <a:rPr lang="ru-RU" b="1" dirty="0"/>
               <a:t>Признаки Хаара</a:t>
             </a:r>
-            <a:endParaRPr lang="ru-RU" b="1" dirty="0"/>
           </a:p>
         </p:txBody>
       </p:sp>
@@ -8529,32 +8294,32 @@
           <a:p>
             <a:pPr algn="just"/>
             <a:r>
-              <a:rPr lang="ru-RU" sz="2800" dirty="0" smtClean="0"/>
+              <a:rPr lang="ru-RU" sz="2800" dirty="0"/>
               <a:t>Критерии вычисления признаков:</a:t>
             </a:r>
           </a:p>
           <a:p>
             <a:pPr lvl="1" algn="just"/>
             <a:r>
-              <a:rPr lang="ru-RU" sz="2800" dirty="0" smtClean="0"/>
+              <a:rPr lang="ru-RU" sz="2800" dirty="0"/>
               <a:t>Нормализация</a:t>
             </a:r>
           </a:p>
           <a:p>
             <a:pPr lvl="1" algn="just"/>
             <a:r>
-              <a:rPr lang="ru-RU" sz="2800" dirty="0" smtClean="0"/>
+              <a:rPr lang="ru-RU" sz="2800" dirty="0"/>
               <a:t>Серый формат</a:t>
             </a:r>
           </a:p>
           <a:p>
             <a:pPr lvl="1" algn="just"/>
             <a:r>
-              <a:rPr lang="ru-RU" sz="2800" dirty="0" smtClean="0"/>
+              <a:rPr lang="ru-RU" sz="2800" dirty="0"/>
               <a:t>Изображение 24</a:t>
             </a:r>
             <a:r>
-              <a:rPr lang="en-US" sz="2800" dirty="0" smtClean="0"/>
+              <a:rPr lang="en-US" sz="2800" dirty="0"/>
               <a:t>x24</a:t>
             </a:r>
             <a:endParaRPr lang="ru-RU" sz="2800" dirty="0"/>
@@ -8648,10 +8413,9 @@
           <a:lstStyle/>
           <a:p>
             <a:r>
-              <a:rPr lang="ru-RU" b="1" dirty="0" smtClean="0"/>
+              <a:rPr lang="ru-RU" b="1" dirty="0"/>
               <a:t>Признаки Хаара</a:t>
             </a:r>
-            <a:endParaRPr lang="ru-RU" b="1" dirty="0"/>
           </a:p>
         </p:txBody>
       </p:sp>
@@ -8679,42 +8443,42 @@
           <a:p>
             <a:pPr algn="just"/>
             <a:r>
-              <a:rPr lang="ru-RU" sz="2800" dirty="0" smtClean="0"/>
+              <a:rPr lang="ru-RU" sz="2800" dirty="0"/>
               <a:t>Основные проблемы вычисления признаков:</a:t>
             </a:r>
           </a:p>
           <a:p>
             <a:pPr lvl="1" algn="just"/>
             <a:r>
-              <a:rPr lang="ru-RU" sz="2800" dirty="0" smtClean="0"/>
+              <a:rPr lang="ru-RU" sz="2800" dirty="0"/>
               <a:t>Очень большое количество(162336 для изображения 24</a:t>
             </a:r>
             <a:r>
-              <a:rPr lang="en-US" sz="2800" dirty="0" smtClean="0"/>
+              <a:rPr lang="en-US" sz="2800" dirty="0"/>
               <a:t>x24</a:t>
             </a:r>
             <a:r>
-              <a:rPr lang="ru-RU" sz="2800" dirty="0" smtClean="0"/>
+              <a:rPr lang="ru-RU" sz="2800" dirty="0"/>
               <a:t>)</a:t>
             </a:r>
-            <a:endParaRPr lang="en-US" sz="2800" dirty="0" smtClean="0"/>
+            <a:endParaRPr lang="en-US" sz="2800" dirty="0"/>
           </a:p>
           <a:p>
             <a:pPr lvl="1" algn="just"/>
             <a:r>
-              <a:rPr lang="ru-RU" sz="2800" dirty="0" smtClean="0"/>
+              <a:rPr lang="ru-RU" sz="2800" dirty="0"/>
               <a:t>Время работы алгоритма</a:t>
             </a:r>
             <a:r>
-              <a:rPr lang="en-US" sz="2800" dirty="0" smtClean="0"/>
+              <a:rPr lang="en-US" sz="2800" dirty="0"/>
               <a:t>(35 </a:t>
             </a:r>
             <a:r>
-              <a:rPr lang="ru-RU" sz="2800" dirty="0" smtClean="0"/>
+              <a:rPr lang="ru-RU" sz="2800" dirty="0"/>
               <a:t>секунд для изображения 24</a:t>
             </a:r>
             <a:r>
-              <a:rPr lang="en-US" sz="2800" dirty="0" smtClean="0"/>
+              <a:rPr lang="en-US" sz="2800" dirty="0"/>
               <a:t>x24)</a:t>
             </a:r>
             <a:endParaRPr lang="ru-RU" sz="2800" dirty="0"/>
@@ -8775,10 +8539,9 @@
           <a:lstStyle/>
           <a:p>
             <a:r>
-              <a:rPr lang="ru-RU" b="1" dirty="0" smtClean="0"/>
+              <a:rPr lang="ru-RU" b="1" dirty="0"/>
               <a:t>Интегральное изображение</a:t>
             </a:r>
-            <a:endParaRPr lang="ru-RU" b="1" dirty="0"/>
           </a:p>
         </p:txBody>
       </p:sp>
@@ -8808,7 +8571,7 @@
               <a:p>
                 <a:pPr algn="just"/>
                 <a:r>
-                  <a:rPr lang="ru-RU" sz="2800" dirty="0" smtClean="0"/>
+                  <a:rPr lang="ru-RU" sz="2800" dirty="0"/>
                   <a:t>Интегральное преобразование изображения – преобразование, при котором в каждом пикселе хранится сумма пикселей, находящихся левее и выше текущего.</a:t>
                 </a:r>
               </a:p>
@@ -9490,10 +9253,9 @@
           <a:lstStyle/>
           <a:p>
             <a:r>
-              <a:rPr lang="ru-RU" b="1" dirty="0" smtClean="0"/>
+              <a:rPr lang="ru-RU" b="1" dirty="0"/>
               <a:t>Интегральное изображение</a:t>
             </a:r>
-            <a:endParaRPr lang="ru-RU" b="1" dirty="0"/>
           </a:p>
         </p:txBody>
       </p:sp>
@@ -9517,28 +9279,28 @@
               <a:lstStyle/>
               <a:p>
                 <a:r>
-                  <a:rPr lang="ru-RU" sz="2800" dirty="0" smtClean="0"/>
+                  <a:rPr lang="ru-RU" sz="2800" dirty="0"/>
                   <a:t>Преимущества и спользования:</a:t>
                 </a:r>
               </a:p>
               <a:p>
                 <a:pPr lvl="1" algn="just"/>
                 <a:r>
-                  <a:rPr lang="ru-RU" sz="2800" dirty="0" smtClean="0"/>
+                  <a:rPr lang="ru-RU" sz="2800" dirty="0"/>
                   <a:t>Удобность вычисления каждого признака Хаара</a:t>
                 </a:r>
               </a:p>
               <a:p>
                 <a:pPr lvl="1" algn="just"/>
                 <a:r>
-                  <a:rPr lang="ru-RU" sz="2800" dirty="0" smtClean="0"/>
+                  <a:rPr lang="ru-RU" sz="2800" dirty="0"/>
                   <a:t>Сокращение времени вычисления всех признаков(0.6 секунд для вычисления всех признаков)</a:t>
                 </a:r>
               </a:p>
               <a:p>
                 <a:pPr lvl="1" algn="just"/>
                 <a:r>
-                  <a:rPr lang="ru-RU" sz="2800" dirty="0" smtClean="0"/>
+                  <a:rPr lang="ru-RU" sz="2800" dirty="0"/>
                   <a:t>Улучшение в </a:t>
                 </a:r>
                 <a14:m>
@@ -9577,11 +9339,11 @@
                   </m:oMath>
                 </a14:m>
                 <a:r>
-                  <a:rPr lang="ru-RU" sz="4000" dirty="0" smtClean="0"/>
+                  <a:rPr lang="ru-RU" sz="4000" dirty="0"/>
                   <a:t> </a:t>
                 </a:r>
                 <a:r>
-                  <a:rPr lang="ru-RU" sz="2800" dirty="0" smtClean="0"/>
+                  <a:rPr lang="ru-RU" sz="2800" dirty="0"/>
                   <a:t>раз</a:t>
                 </a:r>
                 <a:endParaRPr lang="ru-RU" sz="4000" dirty="0"/>
